--- a/Presentacion Fase 2.pptx
+++ b/Presentacion Fase 2.pptx
@@ -7645,7 +7645,12 @@
             <p:ph type="ctrTitle"/>
           </p:nvPr>
         </p:nvSpPr>
-        <p:spPr/>
+        <p:spPr>
+          <a:xfrm>
+            <a:off x="2589213" y="672921"/>
+            <a:ext cx="8915399" cy="2262781"/>
+          </a:xfrm>
+        </p:spPr>
         <p:txBody>
           <a:bodyPr/>
           <a:lstStyle/>
@@ -7673,21 +7678,91 @@
             <p:ph type="subTitle" idx="1"/>
           </p:nvPr>
         </p:nvSpPr>
-        <p:spPr/>
-        <p:txBody>
-          <a:bodyPr/>
+        <p:spPr>
+          <a:xfrm>
+            <a:off x="2589212" y="2935702"/>
+            <a:ext cx="8915399" cy="3104490"/>
+          </a:xfrm>
+        </p:spPr>
+        <p:txBody>
+          <a:bodyPr>
+            <a:normAutofit/>
+          </a:bodyPr>
           <a:lstStyle/>
           <a:p>
             <a:r>
               <a:rPr lang="es-ES" dirty="0"/>
               <a:t>Equipo 2 </a:t>
             </a:r>
+            <a:r>
+              <a:rPr lang="es-ES" dirty="0" smtClean="0"/>
+              <a:t>– D13</a:t>
+            </a:r>
+            <a:endParaRPr lang="es-ES" dirty="0"/>
           </a:p>
           <a:p>
             <a:r>
               <a:rPr lang="es-ES" dirty="0"/>
-              <a:t>Seminario de arquitectura de computadoras</a:t>
-            </a:r>
+              <a:t>Seminario de arquitectura de </a:t>
+            </a:r>
+            <a:r>
+              <a:rPr lang="es-ES" dirty="0" smtClean="0"/>
+              <a:t>computadoras</a:t>
+            </a:r>
+          </a:p>
+          <a:p>
+            <a:r>
+              <a:rPr lang="es-ES" dirty="0" smtClean="0"/>
+              <a:t>Pacheco Romero Victor Manuel</a:t>
+            </a:r>
+          </a:p>
+          <a:p>
+            <a:r>
+              <a:rPr lang="es-ES" dirty="0" err="1"/>
+              <a:t>Ander</a:t>
+            </a:r>
+            <a:r>
+              <a:rPr lang="es-ES" dirty="0"/>
+              <a:t> Torné </a:t>
+            </a:r>
+            <a:r>
+              <a:rPr lang="es-ES" dirty="0" smtClean="0"/>
+              <a:t>Garza</a:t>
+            </a:r>
+          </a:p>
+          <a:p>
+            <a:r>
+              <a:rPr lang="es-ES" dirty="0"/>
+              <a:t>Alejandro </a:t>
+            </a:r>
+            <a:r>
+              <a:rPr lang="es-ES" dirty="0" err="1"/>
+              <a:t>cholico</a:t>
+            </a:r>
+            <a:r>
+              <a:rPr lang="es-ES" dirty="0"/>
+              <a:t> </a:t>
+            </a:r>
+            <a:r>
+              <a:rPr lang="es-ES" dirty="0" smtClean="0"/>
+              <a:t>torres</a:t>
+            </a:r>
+          </a:p>
+          <a:p>
+            <a:r>
+              <a:rPr lang="es-ES" dirty="0"/>
+              <a:t>Daniel Ernesto León García</a:t>
+            </a:r>
+            <a:endParaRPr lang="es-ES" dirty="0" smtClean="0"/>
+          </a:p>
+          <a:p>
+            <a:r>
+              <a:rPr lang="es-MX" u="sng" dirty="0">
+                <a:hlinkClick r:id="rId2" tooltip="https://github.com/TheChecopa/ProyectoFinal.git"/>
+              </a:rPr>
+              <a:t>https://github.com/TheChecopa/ProyectoFinal.git</a:t>
+            </a:r>
+            <a:endParaRPr lang="es-ES" dirty="0"/>
           </a:p>
           <a:p>
             <a:endParaRPr lang="es-ES" dirty="0"/>
@@ -7704,6 +7779,13 @@
   <p:clrMapOvr>
     <a:masterClrMapping/>
   </p:clrMapOvr>
+  <p:timing>
+    <p:tnLst>
+      <p:par>
+        <p:cTn id="1" dur="indefinite" restart="never" nodeType="tmRoot"/>
+      </p:par>
+    </p:tnLst>
+  </p:timing>
 </p:sld>
 </file>
 
@@ -7779,15 +7861,7 @@
             </a:r>
             <a:r>
               <a:rPr lang="es-ES" dirty="0" smtClean="0"/>
-              <a:t>I como  pueden ser la instrucción LW</a:t>
-            </a:r>
-            <a:r>
-              <a:rPr lang="es-ES" dirty="0" smtClean="0"/>
-              <a:t>,</a:t>
-            </a:r>
-            <a:r>
-              <a:rPr lang="es-ES" dirty="0" smtClean="0"/>
-              <a:t> BEQ, </a:t>
+              <a:t>I como  pueden ser la instrucción LW, BEQ, </a:t>
             </a:r>
             <a:r>
               <a:rPr lang="es-ES" dirty="0" err="1" smtClean="0"/>
@@ -7878,6 +7952,13 @@
   <p:clrMapOvr>
     <a:masterClrMapping/>
   </p:clrMapOvr>
+  <p:timing>
+    <p:tnLst>
+      <p:par>
+        <p:cTn id="1" dur="indefinite" restart="never" nodeType="tmRoot"/>
+      </p:par>
+    </p:tnLst>
+  </p:timing>
 </p:sld>
 </file>
 
@@ -8068,6 +8149,13 @@
   <p:clrMapOvr>
     <a:masterClrMapping/>
   </p:clrMapOvr>
+  <p:timing>
+    <p:tnLst>
+      <p:par>
+        <p:cTn id="1" dur="indefinite" restart="never" nodeType="tmRoot"/>
+      </p:par>
+    </p:tnLst>
+  </p:timing>
 </p:sld>
 </file>
 
@@ -8149,6 +8237,13 @@
   <p:clrMapOvr>
     <a:masterClrMapping/>
   </p:clrMapOvr>
+  <p:timing>
+    <p:tnLst>
+      <p:par>
+        <p:cTn id="1" dur="indefinite" restart="never" nodeType="tmRoot"/>
+      </p:par>
+    </p:tnLst>
+  </p:timing>
 </p:sld>
 </file>
 
